--- a/Slides.pptx
+++ b/Slides.pptx
@@ -4637,6 +4637,36 @@
           </a:p>
         </p:txBody>
       </p:sp>
+      <p:pic>
+        <p:nvPicPr>
+          <p:cNvPr id="7" name="Picture 6">
+            <a:extLst>
+              <a:ext uri="{FF2B5EF4-FFF2-40B4-BE49-F238E27FC236}">
+                <a16:creationId xmlns:a16="http://schemas.microsoft.com/office/drawing/2014/main" id="{F01FA26C-1BF4-864D-98F6-0B0090FFA246}"/>
+              </a:ext>
+            </a:extLst>
+          </p:cNvPr>
+          <p:cNvPicPr>
+            <a:picLocks noChangeAspect="1"/>
+          </p:cNvPicPr>
+          <p:nvPr/>
+        </p:nvPicPr>
+        <p:blipFill>
+          <a:blip r:embed="rId2"/>
+          <a:stretch>
+            <a:fillRect/>
+          </a:stretch>
+        </p:blipFill>
+        <p:spPr>
+          <a:xfrm>
+            <a:off x="7084264" y="-67375"/>
+            <a:ext cx="7888493" cy="7172563"/>
+          </a:xfrm>
+          <a:prstGeom prst="rect">
+            <a:avLst/>
+          </a:prstGeom>
+        </p:spPr>
+      </p:pic>
       <p:sp>
         <p:nvSpPr>
           <p:cNvPr id="2" name="Title 1">
@@ -4666,7 +4696,7 @@
           <a:lstStyle/>
           <a:p>
             <a:r>
-              <a:rPr lang="en-US" sz="6000"/>
+              <a:rPr lang="en-US" sz="6000" dirty="0"/>
               <a:t>Contemporary C++ Web Scraping</a:t>
             </a:r>
           </a:p>
@@ -4759,69 +4789,6 @@
           </a:fontRef>
         </p:style>
       </p:cxnSp>
-      <p:pic>
-        <p:nvPicPr>
-          <p:cNvPr id="4" name="Picture 3">
-            <a:extLst>
-              <a:ext uri="{FF2B5EF4-FFF2-40B4-BE49-F238E27FC236}">
-                <a16:creationId xmlns:a16="http://schemas.microsoft.com/office/drawing/2014/main" id="{CD3BA408-1130-4449-A5B9-137736F3B146}"/>
-              </a:ext>
-            </a:extLst>
-          </p:cNvPr>
-          <p:cNvPicPr>
-            <a:picLocks noChangeAspect="1"/>
-          </p:cNvPicPr>
-          <p:nvPr/>
-        </p:nvPicPr>
-        <p:blipFill rotWithShape="1">
-          <a:blip r:embed="rId2"/>
-          <a:srcRect l="10041" r="13916"/>
-          <a:stretch/>
-        </p:blipFill>
-        <p:spPr>
-          <a:xfrm>
-            <a:off x="6976934" y="10"/>
-            <a:ext cx="5215066" cy="6857990"/>
-          </a:xfrm>
-          <a:custGeom>
-            <a:avLst/>
-            <a:gdLst/>
-            <a:ahLst/>
-            <a:cxnLst/>
-            <a:rect l="l" t="t" r="r" b="b"/>
-            <a:pathLst>
-              <a:path w="5215066" h="6858000">
-                <a:moveTo>
-                  <a:pt x="2017353" y="0"/>
-                </a:moveTo>
-                <a:lnTo>
-                  <a:pt x="5215066" y="0"/>
-                </a:lnTo>
-                <a:lnTo>
-                  <a:pt x="5215066" y="6858000"/>
-                </a:lnTo>
-                <a:lnTo>
-                  <a:pt x="1292431" y="6858000"/>
-                </a:lnTo>
-                <a:lnTo>
-                  <a:pt x="1012702" y="6549681"/>
-                </a:lnTo>
-                <a:cubicBezTo>
-                  <a:pt x="380046" y="5781733"/>
-                  <a:pt x="0" y="4797206"/>
-                  <a:pt x="0" y="3723759"/>
-                </a:cubicBezTo>
-                <a:cubicBezTo>
-                  <a:pt x="0" y="2190263"/>
-                  <a:pt x="775604" y="838237"/>
-                  <a:pt x="1955279" y="39865"/>
-                </a:cubicBezTo>
-                <a:close/>
-              </a:path>
-            </a:pathLst>
-          </a:custGeom>
-        </p:spPr>
-      </p:pic>
       <p:sp>
         <p:nvSpPr>
           <p:cNvPr id="37" name="Freeform 6">
@@ -6042,31 +6009,6 @@
           </a:p>
         </p:txBody>
       </p:sp>
-      <p:sp>
-        <p:nvSpPr>
-          <p:cNvPr id="5" name="Content Placeholder 4">
-            <a:extLst>
-              <a:ext uri="{FF2B5EF4-FFF2-40B4-BE49-F238E27FC236}">
-                <a16:creationId xmlns:a16="http://schemas.microsoft.com/office/drawing/2014/main" id="{2BC60C3E-DDEE-7F4E-AAE3-57238A1F66F1}"/>
-              </a:ext>
-            </a:extLst>
-          </p:cNvPr>
-          <p:cNvSpPr>
-            <a:spLocks noGrp="1"/>
-          </p:cNvSpPr>
-          <p:nvPr>
-            <p:ph idx="1"/>
-          </p:nvPr>
-        </p:nvSpPr>
-        <p:spPr/>
-        <p:txBody>
-          <a:bodyPr/>
-          <a:lstStyle/>
-          <a:p>
-            <a:endParaRPr lang="en-US"/>
-          </a:p>
-        </p:txBody>
-      </p:sp>
     </p:spTree>
     <p:extLst>
       <p:ext uri="{BB962C8B-B14F-4D97-AF65-F5344CB8AC3E}">
@@ -6107,7 +6049,7 @@
       </p:grpSpPr>
       <p:sp useBgFill="1">
         <p:nvSpPr>
-          <p:cNvPr id="47" name="Rectangle 16">
+          <p:cNvPr id="57" name="Rectangle 56">
             <a:extLst>
               <a:ext uri="{FF2B5EF4-FFF2-40B4-BE49-F238E27FC236}">
                 <a16:creationId xmlns:a16="http://schemas.microsoft.com/office/drawing/2014/main" id="{C5176844-69C3-4F79-BE38-EA5BDDF4FEA4}"/>
@@ -6167,10 +6109,10 @@
       </p:sp>
       <p:sp>
         <p:nvSpPr>
-          <p:cNvPr id="48" name="Rectangle 18">
-            <a:extLst>
-              <a:ext uri="{FF2B5EF4-FFF2-40B4-BE49-F238E27FC236}">
-                <a16:creationId xmlns:a16="http://schemas.microsoft.com/office/drawing/2014/main" id="{1CF1AAE4-D0BC-430F-A613-7BBAAECA0C2D}"/>
+          <p:cNvPr id="59" name="Rectangle 58">
+            <a:extLst>
+              <a:ext uri="{FF2B5EF4-FFF2-40B4-BE49-F238E27FC236}">
+                <a16:creationId xmlns:a16="http://schemas.microsoft.com/office/drawing/2014/main" id="{41113FF5-9B84-4A89-BF52-EA3C7E01AA3B}"/>
               </a:ext>
               <a:ext uri="{C183D7F6-B498-43B3-948B-1728B52AA6E4}">
                 <adec:decorative xmlns:adec="http://schemas.microsoft.com/office/drawing/2017/decorative" val="1"/>
@@ -6190,8 +6132,8 @@
         </p:nvSpPr>
         <p:spPr>
           <a:xfrm>
-            <a:off x="0" y="0"/>
-            <a:ext cx="12191999" cy="2285999"/>
+            <a:off x="0" y="1"/>
+            <a:ext cx="12191999" cy="1955968"/>
           </a:xfrm>
           <a:prstGeom prst="rect">
             <a:avLst/>
@@ -6249,8 +6191,8 @@
         </p:nvSpPr>
         <p:spPr>
           <a:xfrm>
-            <a:off x="758952" y="379475"/>
-            <a:ext cx="10671048" cy="1554480"/>
+            <a:off x="758952" y="420625"/>
+            <a:ext cx="10667998" cy="1326814"/>
           </a:xfrm>
         </p:spPr>
         <p:txBody>
@@ -6288,12 +6230,12 @@
         </p:nvSpPr>
         <p:spPr>
           <a:xfrm>
-            <a:off x="758824" y="2607732"/>
-            <a:ext cx="8412480" cy="3174357"/>
+            <a:off x="758952" y="2413169"/>
+            <a:ext cx="6039340" cy="1838197"/>
           </a:xfrm>
         </p:spPr>
         <p:txBody>
-          <a:bodyPr>
+          <a:bodyPr anchor="ctr">
             <a:normAutofit/>
           </a:bodyPr>
           <a:lstStyle/>
@@ -6325,7 +6267,7 @@
       </p:sp>
       <p:sp>
         <p:nvSpPr>
-          <p:cNvPr id="50" name="Freeform 6">
+          <p:cNvPr id="61" name="Freeform 6">
             <a:extLst>
               <a:ext uri="{FF2B5EF4-FFF2-40B4-BE49-F238E27FC236}">
                 <a16:creationId xmlns:a16="http://schemas.microsoft.com/office/drawing/2014/main" id="{A101E513-AF74-4E9D-A31F-99664250722D}"/>
@@ -6587,7 +6529,7 @@
       </p:grpSpPr>
       <p:sp useBgFill="1">
         <p:nvSpPr>
-          <p:cNvPr id="8" name="Rectangle 7">
+          <p:cNvPr id="17" name="Rectangle 16">
             <a:extLst>
               <a:ext uri="{FF2B5EF4-FFF2-40B4-BE49-F238E27FC236}">
                 <a16:creationId xmlns:a16="http://schemas.microsoft.com/office/drawing/2014/main" id="{C5176844-69C3-4F79-BE38-EA5BDDF4FEA4}"/>
@@ -6647,10 +6589,10 @@
       </p:sp>
       <p:sp>
         <p:nvSpPr>
-          <p:cNvPr id="10" name="Rectangle 9">
-            <a:extLst>
-              <a:ext uri="{FF2B5EF4-FFF2-40B4-BE49-F238E27FC236}">
-                <a16:creationId xmlns:a16="http://schemas.microsoft.com/office/drawing/2014/main" id="{1CF1AAE4-D0BC-430F-A613-7BBAAECA0C2D}"/>
+          <p:cNvPr id="19" name="Rectangle 18">
+            <a:extLst>
+              <a:ext uri="{FF2B5EF4-FFF2-40B4-BE49-F238E27FC236}">
+                <a16:creationId xmlns:a16="http://schemas.microsoft.com/office/drawing/2014/main" id="{41113FF5-9B84-4A89-BF52-EA3C7E01AA3B}"/>
               </a:ext>
               <a:ext uri="{C183D7F6-B498-43B3-948B-1728B52AA6E4}">
                 <adec:decorative xmlns:adec="http://schemas.microsoft.com/office/drawing/2017/decorative" val="1"/>
@@ -6670,8 +6612,8 @@
         </p:nvSpPr>
         <p:spPr>
           <a:xfrm>
-            <a:off x="0" y="0"/>
-            <a:ext cx="12191999" cy="2285999"/>
+            <a:off x="0" y="1"/>
+            <a:ext cx="12191999" cy="1955968"/>
           </a:xfrm>
           <a:prstGeom prst="rect">
             <a:avLst/>
@@ -6729,8 +6671,8 @@
         </p:nvSpPr>
         <p:spPr>
           <a:xfrm>
-            <a:off x="758952" y="379475"/>
-            <a:ext cx="10671048" cy="1554480"/>
+            <a:off x="758952" y="420625"/>
+            <a:ext cx="10667998" cy="1326814"/>
           </a:xfrm>
         </p:spPr>
         <p:txBody>
@@ -6768,12 +6710,12 @@
         </p:nvSpPr>
         <p:spPr>
           <a:xfrm>
-            <a:off x="758824" y="2607732"/>
-            <a:ext cx="8412480" cy="3174357"/>
+            <a:off x="758952" y="2413169"/>
+            <a:ext cx="6039340" cy="1814447"/>
           </a:xfrm>
         </p:spPr>
         <p:txBody>
-          <a:bodyPr>
+          <a:bodyPr anchor="ctr">
             <a:normAutofit/>
           </a:bodyPr>
           <a:lstStyle/>
@@ -6809,9 +6751,38 @@
           </a:p>
         </p:txBody>
       </p:sp>
-      <p:sp>
-        <p:nvSpPr>
-          <p:cNvPr id="12" name="Freeform 6">
+      <p:pic>
+        <p:nvPicPr>
+          <p:cNvPr id="4" name="Picture 3">
+            <a:extLst>
+              <a:ext uri="{FF2B5EF4-FFF2-40B4-BE49-F238E27FC236}">
+                <a16:creationId xmlns:a16="http://schemas.microsoft.com/office/drawing/2014/main" id="{6F3CCF74-33EC-5041-ACB0-3A0607A1E3E2}"/>
+              </a:ext>
+            </a:extLst>
+          </p:cNvPr>
+          <p:cNvPicPr>
+            <a:picLocks noChangeAspect="1"/>
+          </p:cNvPicPr>
+          <p:nvPr/>
+        </p:nvPicPr>
+        <p:blipFill rotWithShape="1">
+          <a:blip r:embed="rId3"/>
+          <a:srcRect l="2973" t="458" r="2800" b="6387"/>
+          <a:stretch/>
+        </p:blipFill>
+        <p:spPr>
+          <a:xfrm>
+            <a:off x="2385802" y="3895106"/>
+            <a:ext cx="9266779" cy="2542269"/>
+          </a:xfrm>
+          <a:prstGeom prst="rect">
+            <a:avLst/>
+          </a:prstGeom>
+        </p:spPr>
+      </p:pic>
+      <p:sp>
+        <p:nvSpPr>
+          <p:cNvPr id="21" name="Freeform 6">
             <a:extLst>
               <a:ext uri="{FF2B5EF4-FFF2-40B4-BE49-F238E27FC236}">
                 <a16:creationId xmlns:a16="http://schemas.microsoft.com/office/drawing/2014/main" id="{A101E513-AF74-4E9D-A31F-99664250722D}"/>
@@ -7033,36 +7004,6 @@
           </a:p>
         </p:txBody>
       </p:sp>
-      <p:pic>
-        <p:nvPicPr>
-          <p:cNvPr id="4" name="Picture 3">
-            <a:extLst>
-              <a:ext uri="{FF2B5EF4-FFF2-40B4-BE49-F238E27FC236}">
-                <a16:creationId xmlns:a16="http://schemas.microsoft.com/office/drawing/2014/main" id="{6F3CCF74-33EC-5041-ACB0-3A0607A1E3E2}"/>
-              </a:ext>
-            </a:extLst>
-          </p:cNvPr>
-          <p:cNvPicPr>
-            <a:picLocks noChangeAspect="1"/>
-          </p:cNvPicPr>
-          <p:nvPr/>
-        </p:nvPicPr>
-        <p:blipFill>
-          <a:blip r:embed="rId3"/>
-          <a:stretch>
-            <a:fillRect/>
-          </a:stretch>
-        </p:blipFill>
-        <p:spPr>
-          <a:xfrm>
-            <a:off x="2652514" y="3873600"/>
-            <a:ext cx="8845915" cy="2463192"/>
-          </a:xfrm>
-          <a:prstGeom prst="rect">
-            <a:avLst/>
-          </a:prstGeom>
-        </p:spPr>
-      </p:pic>
     </p:spTree>
     <p:extLst>
       <p:ext uri="{BB962C8B-B14F-4D97-AF65-F5344CB8AC3E}">
@@ -7290,7 +7231,7 @@
         <p:spPr>
           <a:xfrm>
             <a:off x="758952" y="2413169"/>
-            <a:ext cx="6039340" cy="3368920"/>
+            <a:ext cx="6039340" cy="2488863"/>
           </a:xfrm>
         </p:spPr>
         <p:txBody>
@@ -7300,31 +7241,31 @@
           <a:lstStyle/>
           <a:p>
             <a:r>
-              <a:rPr lang="en-US"/>
+              <a:rPr lang="en-US" dirty="0"/>
               <a:t>Wrapping Gumbo to get document tree</a:t>
             </a:r>
           </a:p>
           <a:p>
             <a:r>
-              <a:rPr lang="en-US">
+              <a:rPr lang="en-US" dirty="0">
                 <a:hlinkClick r:id="rId2"/>
               </a:rPr>
               <a:t>https://github.com/beached/gumbo_pp</a:t>
             </a:r>
-            <a:endParaRPr lang="en-US"/>
-          </a:p>
-          <a:p>
-            <a:r>
-              <a:rPr lang="en-US">
+            <a:endParaRPr lang="en-US" dirty="0"/>
+          </a:p>
+          <a:p>
+            <a:r>
+              <a:rPr lang="en-US" dirty="0">
                 <a:hlinkClick r:id="rId3"/>
               </a:rPr>
               <a:t>https://github.com/google/gumbo-parser</a:t>
             </a:r>
-            <a:endParaRPr lang="en-US"/>
-          </a:p>
-          <a:p>
-            <a:r>
-              <a:rPr lang="en-US"/>
+            <a:endParaRPr lang="en-US" dirty="0"/>
+          </a:p>
+          <a:p>
+            <a:r>
+              <a:rPr lang="en-US" dirty="0"/>
               <a:t>We have an iterator interface into the document tree that uses DFS ordering</a:t>
             </a:r>
           </a:p>

--- a/Slides.pptx
+++ b/Slides.pptx
@@ -207,7 +207,7 @@
           <a:p>
             <a:fld id="{65038154-CDDF-1045-AB0B-5A4C4D28411B}" type="datetimeFigureOut">
               <a:rPr lang="en-US" smtClean="0"/>
-              <a:t>12/6/21</a:t>
+              <a:t>12/7/21</a:t>
             </a:fld>
             <a:endParaRPr lang="en-US"/>
           </a:p>
@@ -1171,7 +1171,7 @@
           <a:p>
             <a:fld id="{53BEF823-48A5-43FC-BE03-E79964288B41}" type="datetimeFigureOut">
               <a:rPr lang="en-US" smtClean="0"/>
-              <a:t>12/6/21</a:t>
+              <a:t>12/7/21</a:t>
             </a:fld>
             <a:endParaRPr lang="en-US" dirty="0"/>
           </a:p>
@@ -1382,7 +1382,7 @@
             <a:fld id="{53BEF823-48A5-43FC-BE03-E79964288B41}" type="datetimeFigureOut">
               <a:rPr lang="en-US" smtClean="0"/>
               <a:pPr algn="r"/>
-              <a:t>12/6/21</a:t>
+              <a:t>12/7/21</a:t>
             </a:fld>
             <a:endParaRPr lang="en-US" dirty="0"/>
           </a:p>
@@ -1597,7 +1597,7 @@
             <a:fld id="{53BEF823-48A5-43FC-BE03-E79964288B41}" type="datetimeFigureOut">
               <a:rPr lang="en-US" smtClean="0"/>
               <a:pPr algn="r"/>
-              <a:t>12/6/21</a:t>
+              <a:t>12/7/21</a:t>
             </a:fld>
             <a:endParaRPr lang="en-US" dirty="0"/>
           </a:p>
@@ -1800,7 +1800,7 @@
             <a:fld id="{53BEF823-48A5-43FC-BE03-E79964288B41}" type="datetimeFigureOut">
               <a:rPr lang="en-US" smtClean="0"/>
               <a:pPr algn="r"/>
-              <a:t>12/6/21</a:t>
+              <a:t>12/7/21</a:t>
             </a:fld>
             <a:endParaRPr lang="en-US" dirty="0"/>
           </a:p>
@@ -2084,7 +2084,7 @@
             <a:fld id="{53BEF823-48A5-43FC-BE03-E79964288B41}" type="datetimeFigureOut">
               <a:rPr lang="en-US" smtClean="0"/>
               <a:pPr algn="r"/>
-              <a:t>12/6/21</a:t>
+              <a:t>12/7/21</a:t>
             </a:fld>
             <a:endParaRPr lang="en-US" dirty="0"/>
           </a:p>
@@ -2328,7 +2328,7 @@
             <a:fld id="{53BEF823-48A5-43FC-BE03-E79964288B41}" type="datetimeFigureOut">
               <a:rPr lang="en-US" smtClean="0"/>
               <a:pPr algn="r"/>
-              <a:t>12/6/21</a:t>
+              <a:t>12/7/21</a:t>
             </a:fld>
             <a:endParaRPr lang="en-US" dirty="0"/>
           </a:p>
@@ -2771,7 +2771,7 @@
             <a:fld id="{53BEF823-48A5-43FC-BE03-E79964288B41}" type="datetimeFigureOut">
               <a:rPr lang="en-US" smtClean="0"/>
               <a:pPr algn="r"/>
-              <a:t>12/6/21</a:t>
+              <a:t>12/7/21</a:t>
             </a:fld>
             <a:endParaRPr lang="en-US" dirty="0"/>
           </a:p>
@@ -2917,7 +2917,7 @@
             <a:fld id="{53BEF823-48A5-43FC-BE03-E79964288B41}" type="datetimeFigureOut">
               <a:rPr lang="en-US" smtClean="0"/>
               <a:pPr algn="r"/>
-              <a:t>12/6/21</a:t>
+              <a:t>12/7/21</a:t>
             </a:fld>
             <a:endParaRPr lang="en-US" dirty="0"/>
           </a:p>
@@ -3035,7 +3035,7 @@
             <a:fld id="{53BEF823-48A5-43FC-BE03-E79964288B41}" type="datetimeFigureOut">
               <a:rPr lang="en-US" smtClean="0"/>
               <a:pPr algn="r"/>
-              <a:t>12/6/21</a:t>
+              <a:t>12/7/21</a:t>
             </a:fld>
             <a:endParaRPr lang="en-US" dirty="0"/>
           </a:p>
@@ -3319,7 +3319,7 @@
             <a:fld id="{53BEF823-48A5-43FC-BE03-E79964288B41}" type="datetimeFigureOut">
               <a:rPr lang="en-US" smtClean="0"/>
               <a:pPr algn="r"/>
-              <a:t>12/6/21</a:t>
+              <a:t>12/7/21</a:t>
             </a:fld>
             <a:endParaRPr lang="en-US" dirty="0"/>
           </a:p>
@@ -3614,7 +3614,7 @@
             <a:fld id="{53BEF823-48A5-43FC-BE03-E79964288B41}" type="datetimeFigureOut">
               <a:rPr lang="en-US" smtClean="0"/>
               <a:pPr algn="r"/>
-              <a:t>12/6/21</a:t>
+              <a:t>12/7/21</a:t>
             </a:fld>
             <a:endParaRPr lang="en-US" dirty="0"/>
           </a:p>
@@ -4109,7 +4109,7 @@
             <a:fld id="{53BEF823-48A5-43FC-BE03-E79964288B41}" type="datetimeFigureOut">
               <a:rPr lang="en-US" smtClean="0"/>
               <a:pPr algn="r"/>
-              <a:t>12/6/21</a:t>
+              <a:t>12/7/21</a:t>
             </a:fld>
             <a:endParaRPr lang="en-US" dirty="0"/>
           </a:p>
@@ -5341,14 +5341,13 @@
           <a:p>
             <a:r>
               <a:rPr lang="en-US" dirty="0"/>
-              <a:t>Add a full Node type with accessors/matcher methods</a:t>
-            </a:r>
-          </a:p>
-          <a:p>
-            <a:r>
-              <a:rPr lang="en-US" dirty="0"/>
-              <a:t>Have the Gumbo tag enumerations inside daw::gumbo::tags namespace</a:t>
-            </a:r>
+              <a:t>Add a full Node type with accessors/</a:t>
+            </a:r>
+            <a:r>
+              <a:rPr lang="en-US"/>
+              <a:t>matcher methods</a:t>
+            </a:r>
+            <a:endParaRPr lang="en-US" dirty="0"/>
           </a:p>
           <a:p>
             <a:r>
@@ -8410,7 +8409,15 @@
           <a:p>
             <a:r>
               <a:rPr lang="en-US" dirty="0"/>
-              <a:t>They can be combined with and(match_all), or(match_any), not(negate match), xor(match_one) to form complex expressions</a:t>
+              <a:t>They can be combined with and(match_all), or(match_any), not(negate match), xor(match_one)</a:t>
+            </a:r>
+            <a:r>
+              <a:rPr lang="en-CA" dirty="0"/>
+              <a:t> operators</a:t>
+            </a:r>
+            <a:r>
+              <a:rPr lang="en-US" dirty="0"/>
+              <a:t> to form complex expressions</a:t>
             </a:r>
           </a:p>
           <a:p>

--- a/Slides.pptx
+++ b/Slides.pptx
@@ -207,7 +207,7 @@
           <a:p>
             <a:fld id="{65038154-CDDF-1045-AB0B-5A4C4D28411B}" type="datetimeFigureOut">
               <a:rPr lang="en-US" smtClean="0"/>
-              <a:t>12/7/21</a:t>
+              <a:t>12/9/21</a:t>
             </a:fld>
             <a:endParaRPr lang="en-US"/>
           </a:p>
@@ -1171,7 +1171,7 @@
           <a:p>
             <a:fld id="{53BEF823-48A5-43FC-BE03-E79964288B41}" type="datetimeFigureOut">
               <a:rPr lang="en-US" smtClean="0"/>
-              <a:t>12/7/21</a:t>
+              <a:t>12/9/21</a:t>
             </a:fld>
             <a:endParaRPr lang="en-US" dirty="0"/>
           </a:p>
@@ -1382,7 +1382,7 @@
             <a:fld id="{53BEF823-48A5-43FC-BE03-E79964288B41}" type="datetimeFigureOut">
               <a:rPr lang="en-US" smtClean="0"/>
               <a:pPr algn="r"/>
-              <a:t>12/7/21</a:t>
+              <a:t>12/9/21</a:t>
             </a:fld>
             <a:endParaRPr lang="en-US" dirty="0"/>
           </a:p>
@@ -1597,7 +1597,7 @@
             <a:fld id="{53BEF823-48A5-43FC-BE03-E79964288B41}" type="datetimeFigureOut">
               <a:rPr lang="en-US" smtClean="0"/>
               <a:pPr algn="r"/>
-              <a:t>12/7/21</a:t>
+              <a:t>12/9/21</a:t>
             </a:fld>
             <a:endParaRPr lang="en-US" dirty="0"/>
           </a:p>
@@ -1800,7 +1800,7 @@
             <a:fld id="{53BEF823-48A5-43FC-BE03-E79964288B41}" type="datetimeFigureOut">
               <a:rPr lang="en-US" smtClean="0"/>
               <a:pPr algn="r"/>
-              <a:t>12/7/21</a:t>
+              <a:t>12/9/21</a:t>
             </a:fld>
             <a:endParaRPr lang="en-US" dirty="0"/>
           </a:p>
@@ -2084,7 +2084,7 @@
             <a:fld id="{53BEF823-48A5-43FC-BE03-E79964288B41}" type="datetimeFigureOut">
               <a:rPr lang="en-US" smtClean="0"/>
               <a:pPr algn="r"/>
-              <a:t>12/7/21</a:t>
+              <a:t>12/9/21</a:t>
             </a:fld>
             <a:endParaRPr lang="en-US" dirty="0"/>
           </a:p>
@@ -2328,7 +2328,7 @@
             <a:fld id="{53BEF823-48A5-43FC-BE03-E79964288B41}" type="datetimeFigureOut">
               <a:rPr lang="en-US" smtClean="0"/>
               <a:pPr algn="r"/>
-              <a:t>12/7/21</a:t>
+              <a:t>12/9/21</a:t>
             </a:fld>
             <a:endParaRPr lang="en-US" dirty="0"/>
           </a:p>
@@ -2771,7 +2771,7 @@
             <a:fld id="{53BEF823-48A5-43FC-BE03-E79964288B41}" type="datetimeFigureOut">
               <a:rPr lang="en-US" smtClean="0"/>
               <a:pPr algn="r"/>
-              <a:t>12/7/21</a:t>
+              <a:t>12/9/21</a:t>
             </a:fld>
             <a:endParaRPr lang="en-US" dirty="0"/>
           </a:p>
@@ -2917,7 +2917,7 @@
             <a:fld id="{53BEF823-48A5-43FC-BE03-E79964288B41}" type="datetimeFigureOut">
               <a:rPr lang="en-US" smtClean="0"/>
               <a:pPr algn="r"/>
-              <a:t>12/7/21</a:t>
+              <a:t>12/9/21</a:t>
             </a:fld>
             <a:endParaRPr lang="en-US" dirty="0"/>
           </a:p>
@@ -3035,7 +3035,7 @@
             <a:fld id="{53BEF823-48A5-43FC-BE03-E79964288B41}" type="datetimeFigureOut">
               <a:rPr lang="en-US" smtClean="0"/>
               <a:pPr algn="r"/>
-              <a:t>12/7/21</a:t>
+              <a:t>12/9/21</a:t>
             </a:fld>
             <a:endParaRPr lang="en-US" dirty="0"/>
           </a:p>
@@ -3319,7 +3319,7 @@
             <a:fld id="{53BEF823-48A5-43FC-BE03-E79964288B41}" type="datetimeFigureOut">
               <a:rPr lang="en-US" smtClean="0"/>
               <a:pPr algn="r"/>
-              <a:t>12/7/21</a:t>
+              <a:t>12/9/21</a:t>
             </a:fld>
             <a:endParaRPr lang="en-US" dirty="0"/>
           </a:p>
@@ -3614,7 +3614,7 @@
             <a:fld id="{53BEF823-48A5-43FC-BE03-E79964288B41}" type="datetimeFigureOut">
               <a:rPr lang="en-US" smtClean="0"/>
               <a:pPr algn="r"/>
-              <a:t>12/7/21</a:t>
+              <a:t>12/9/21</a:t>
             </a:fld>
             <a:endParaRPr lang="en-US" dirty="0"/>
           </a:p>
@@ -4109,7 +4109,7 @@
             <a:fld id="{53BEF823-48A5-43FC-BE03-E79964288B41}" type="datetimeFigureOut">
               <a:rPr lang="en-US" smtClean="0"/>
               <a:pPr algn="r"/>
-              <a:t>12/7/21</a:t>
+              <a:t>12/9/21</a:t>
             </a:fld>
             <a:endParaRPr lang="en-US" dirty="0"/>
           </a:p>
@@ -4732,7 +4732,7 @@
           <a:p>
             <a:r>
               <a:rPr lang="en-US"/>
-              <a:t>It’s not as low level as one might thing</a:t>
+              <a:t>It’s not as low level as one might think</a:t>
             </a:r>
           </a:p>
         </p:txBody>

--- a/Slides.pptx
+++ b/Slides.pptx
@@ -4731,7 +4731,7 @@
           <a:lstStyle/>
           <a:p>
             <a:r>
-              <a:rPr lang="en-US"/>
+              <a:rPr lang="en-US" dirty="0"/>
               <a:t>It’s not as low level as one might think</a:t>
             </a:r>
           </a:p>
@@ -8901,10 +8901,10 @@
       </p:sp>
       <p:pic>
         <p:nvPicPr>
-          <p:cNvPr id="5" name="Picture 4">
-            <a:extLst>
-              <a:ext uri="{FF2B5EF4-FFF2-40B4-BE49-F238E27FC236}">
-                <a16:creationId xmlns:a16="http://schemas.microsoft.com/office/drawing/2014/main" id="{421C44E5-8FB1-B14A-B300-9A14043E1D45}"/>
+          <p:cNvPr id="4" name="Picture 3">
+            <a:extLst>
+              <a:ext uri="{FF2B5EF4-FFF2-40B4-BE49-F238E27FC236}">
+                <a16:creationId xmlns:a16="http://schemas.microsoft.com/office/drawing/2014/main" id="{0EB23727-6C64-994A-9317-AD04AF75B540}"/>
               </a:ext>
             </a:extLst>
           </p:cNvPr>
@@ -8921,8 +8921,8 @@
         </p:blipFill>
         <p:spPr>
           <a:xfrm>
-            <a:off x="1038779" y="2825835"/>
-            <a:ext cx="9309100" cy="3162300"/>
+            <a:off x="1055981" y="2979346"/>
+            <a:ext cx="10542558" cy="2855276"/>
           </a:xfrm>
           <a:prstGeom prst="rect">
             <a:avLst/>
@@ -8943,8 +8943,8 @@
         </p:nvSpPr>
         <p:spPr>
           <a:xfrm>
-            <a:off x="1669409" y="4389540"/>
-            <a:ext cx="2667699" cy="318781"/>
+            <a:off x="7776754" y="4406984"/>
+            <a:ext cx="2412276" cy="365313"/>
           </a:xfrm>
           <a:prstGeom prst="frame">
             <a:avLst/>
@@ -9443,10 +9443,10 @@
       </p:sp>
       <p:pic>
         <p:nvPicPr>
-          <p:cNvPr id="5" name="Picture 4">
-            <a:extLst>
-              <a:ext uri="{FF2B5EF4-FFF2-40B4-BE49-F238E27FC236}">
-                <a16:creationId xmlns:a16="http://schemas.microsoft.com/office/drawing/2014/main" id="{A75C858E-2DA5-3D4E-BB5B-8EBBEFFD5664}"/>
+          <p:cNvPr id="4" name="Picture 3">
+            <a:extLst>
+              <a:ext uri="{FF2B5EF4-FFF2-40B4-BE49-F238E27FC236}">
+                <a16:creationId xmlns:a16="http://schemas.microsoft.com/office/drawing/2014/main" id="{40231533-D9E9-9A49-9F69-E76249EC3731}"/>
               </a:ext>
             </a:extLst>
           </p:cNvPr>
@@ -9463,8 +9463,8 @@
         </p:blipFill>
         <p:spPr>
           <a:xfrm>
-            <a:off x="1048624" y="2851254"/>
-            <a:ext cx="10378325" cy="3336229"/>
+            <a:off x="1055733" y="2877424"/>
+            <a:ext cx="7879261" cy="3658607"/>
           </a:xfrm>
           <a:prstGeom prst="rect">
             <a:avLst/>
@@ -9485,8 +9485,8 @@
         </p:nvSpPr>
         <p:spPr>
           <a:xfrm>
-            <a:off x="1442905" y="4244829"/>
-            <a:ext cx="9984044" cy="562063"/>
+            <a:off x="2003961" y="4339969"/>
+            <a:ext cx="6565273" cy="920008"/>
           </a:xfrm>
           <a:prstGeom prst="frame">
             <a:avLst/>
@@ -9985,10 +9985,10 @@
       </p:sp>
       <p:pic>
         <p:nvPicPr>
-          <p:cNvPr id="4" name="Picture 3">
-            <a:extLst>
-              <a:ext uri="{FF2B5EF4-FFF2-40B4-BE49-F238E27FC236}">
-                <a16:creationId xmlns:a16="http://schemas.microsoft.com/office/drawing/2014/main" id="{3D41C965-8D48-1040-BACC-FD5A9931E397}"/>
+          <p:cNvPr id="5" name="Picture 4">
+            <a:extLst>
+              <a:ext uri="{FF2B5EF4-FFF2-40B4-BE49-F238E27FC236}">
+                <a16:creationId xmlns:a16="http://schemas.microsoft.com/office/drawing/2014/main" id="{0454D58D-6A3F-AD41-8685-E9073197816A}"/>
               </a:ext>
             </a:extLst>
           </p:cNvPr>
@@ -10005,8 +10005,8 @@
         </p:blipFill>
         <p:spPr>
           <a:xfrm>
-            <a:off x="1012950" y="2877156"/>
-            <a:ext cx="10414000" cy="3467100"/>
+            <a:off x="981456" y="2876549"/>
+            <a:ext cx="10733918" cy="3262993"/>
           </a:xfrm>
           <a:prstGeom prst="rect">
             <a:avLst/>
@@ -10027,8 +10027,8 @@
         </p:nvSpPr>
         <p:spPr>
           <a:xfrm>
-            <a:off x="5008228" y="4127357"/>
-            <a:ext cx="6418722" cy="335586"/>
+            <a:off x="5138857" y="4685211"/>
+            <a:ext cx="5572686" cy="369914"/>
           </a:xfrm>
           <a:prstGeom prst="frame">
             <a:avLst/>
